--- a/ppt 16-9/0769.求你一件事.pptx
+++ b/ppt 16-9/0769.求你一件事.pptx
@@ -5,7 +5,7 @@
     <p:sldMasterId id="2147483648" r:id="rId1"/>
   </p:sldMasterIdLst>
   <p:sldIdLst>
-    <p:sldId id="2024" r:id="rId2"/>
+    <p:sldId id="2025" r:id="rId2"/>
   </p:sldIdLst>
   <p:sldSz cx="12192000" cy="6858000"/>
   <p:notesSz cx="6858000" cy="9144000"/>
@@ -129,7 +129,7 @@
           <p:cNvPr id="2" name="标题 1">
             <a:extLst>
               <a:ext uri="{FF2B5EF4-FFF2-40B4-BE49-F238E27FC236}">
-                <a16:creationId xmlns:a16="http://schemas.microsoft.com/office/drawing/2014/main" id="{79FD5CC2-3112-7BA2-C656-8673EF22529B}"/>
+                <a16:creationId xmlns:a16="http://schemas.microsoft.com/office/drawing/2014/main" id="{489BA519-C3A4-421C-8C08-A1337AC74D24}"/>
               </a:ext>
             </a:extLst>
           </p:cNvPr>
@@ -166,7 +166,7 @@
           <p:cNvPr id="3" name="副标题 2">
             <a:extLst>
               <a:ext uri="{FF2B5EF4-FFF2-40B4-BE49-F238E27FC236}">
-                <a16:creationId xmlns:a16="http://schemas.microsoft.com/office/drawing/2014/main" id="{79BCDBDC-FA45-A13F-F99E-AF3890BD0EE0}"/>
+                <a16:creationId xmlns:a16="http://schemas.microsoft.com/office/drawing/2014/main" id="{FA171F52-F455-76AB-11EA-1EB839737612}"/>
               </a:ext>
             </a:extLst>
           </p:cNvPr>
@@ -236,7 +236,7 @@
           <p:cNvPr id="4" name="日期占位符 3">
             <a:extLst>
               <a:ext uri="{FF2B5EF4-FFF2-40B4-BE49-F238E27FC236}">
-                <a16:creationId xmlns:a16="http://schemas.microsoft.com/office/drawing/2014/main" id="{660E445D-63AD-BDA7-CF97-112308818715}"/>
+                <a16:creationId xmlns:a16="http://schemas.microsoft.com/office/drawing/2014/main" id="{15750BA0-F67D-CEF7-A5F5-27262D5FF172}"/>
               </a:ext>
             </a:extLst>
           </p:cNvPr>
@@ -252,7 +252,7 @@
           <a:bodyPr/>
           <a:lstStyle/>
           <a:p>
-            <a:fld id="{B63EB4CA-BF52-42FC-B45E-F0704FC16AC2}" type="datetimeFigureOut">
+            <a:fld id="{1B3EB02E-5C69-4FBA-A6A7-1151CFFB1BCA}" type="datetimeFigureOut">
               <a:rPr lang="zh-CN" altLang="en-US" smtClean="0"/>
               <a:t>2024/3/10</a:t>
             </a:fld>
@@ -265,7 +265,7 @@
           <p:cNvPr id="5" name="页脚占位符 4">
             <a:extLst>
               <a:ext uri="{FF2B5EF4-FFF2-40B4-BE49-F238E27FC236}">
-                <a16:creationId xmlns:a16="http://schemas.microsoft.com/office/drawing/2014/main" id="{2CED505B-A1B2-6FCE-C6C8-09C36A815D42}"/>
+                <a16:creationId xmlns:a16="http://schemas.microsoft.com/office/drawing/2014/main" id="{97BAF446-FA4F-F74F-F01C-C0F664D28BAF}"/>
               </a:ext>
             </a:extLst>
           </p:cNvPr>
@@ -290,7 +290,7 @@
           <p:cNvPr id="6" name="灯片编号占位符 5">
             <a:extLst>
               <a:ext uri="{FF2B5EF4-FFF2-40B4-BE49-F238E27FC236}">
-                <a16:creationId xmlns:a16="http://schemas.microsoft.com/office/drawing/2014/main" id="{D563B1A9-B658-5F8E-67FB-AB14DFD6EE6F}"/>
+                <a16:creationId xmlns:a16="http://schemas.microsoft.com/office/drawing/2014/main" id="{A92B4A10-23F9-2196-4FCE-D7C3B781DAFF}"/>
               </a:ext>
             </a:extLst>
           </p:cNvPr>
@@ -306,7 +306,7 @@
           <a:bodyPr/>
           <a:lstStyle/>
           <a:p>
-            <a:fld id="{7C8289E6-07FE-4A44-AB1D-C312DABD2BA2}" type="slidenum">
+            <a:fld id="{F78EC71D-B022-48B8-8215-F6173BEECA35}" type="slidenum">
               <a:rPr lang="zh-CN" altLang="en-US" smtClean="0"/>
               <a:t>‹#›</a:t>
             </a:fld>
@@ -317,7 +317,7 @@
     </p:spTree>
     <p:extLst>
       <p:ext uri="{BB962C8B-B14F-4D97-AF65-F5344CB8AC3E}">
-        <p14:creationId xmlns:p14="http://schemas.microsoft.com/office/powerpoint/2010/main" val="1266297652"/>
+        <p14:creationId xmlns:p14="http://schemas.microsoft.com/office/powerpoint/2010/main" val="4082825115"/>
       </p:ext>
     </p:extLst>
   </p:cSld>
@@ -349,7 +349,7 @@
           <p:cNvPr id="2" name="标题 1">
             <a:extLst>
               <a:ext uri="{FF2B5EF4-FFF2-40B4-BE49-F238E27FC236}">
-                <a16:creationId xmlns:a16="http://schemas.microsoft.com/office/drawing/2014/main" id="{A43EF641-A2BF-68A1-B240-72ABB0B83CA7}"/>
+                <a16:creationId xmlns:a16="http://schemas.microsoft.com/office/drawing/2014/main" id="{4195A4CC-7310-D0BD-F875-91450DC5C4A2}"/>
               </a:ext>
             </a:extLst>
           </p:cNvPr>
@@ -377,7 +377,7 @@
           <p:cNvPr id="3" name="竖排文字占位符 2">
             <a:extLst>
               <a:ext uri="{FF2B5EF4-FFF2-40B4-BE49-F238E27FC236}">
-                <a16:creationId xmlns:a16="http://schemas.microsoft.com/office/drawing/2014/main" id="{55D69738-8E61-3FF6-792B-C700BF7F4CD2}"/>
+                <a16:creationId xmlns:a16="http://schemas.microsoft.com/office/drawing/2014/main" id="{40A99DC7-6578-F40B-B11E-93B59CBC7462}"/>
               </a:ext>
             </a:extLst>
           </p:cNvPr>
@@ -434,7 +434,7 @@
           <p:cNvPr id="4" name="日期占位符 3">
             <a:extLst>
               <a:ext uri="{FF2B5EF4-FFF2-40B4-BE49-F238E27FC236}">
-                <a16:creationId xmlns:a16="http://schemas.microsoft.com/office/drawing/2014/main" id="{615DD924-B473-321E-FF4F-748B30550863}"/>
+                <a16:creationId xmlns:a16="http://schemas.microsoft.com/office/drawing/2014/main" id="{3C664D26-FC96-72D8-1B95-0A0BA2EE20D5}"/>
               </a:ext>
             </a:extLst>
           </p:cNvPr>
@@ -450,7 +450,7 @@
           <a:bodyPr/>
           <a:lstStyle/>
           <a:p>
-            <a:fld id="{B63EB4CA-BF52-42FC-B45E-F0704FC16AC2}" type="datetimeFigureOut">
+            <a:fld id="{1B3EB02E-5C69-4FBA-A6A7-1151CFFB1BCA}" type="datetimeFigureOut">
               <a:rPr lang="zh-CN" altLang="en-US" smtClean="0"/>
               <a:t>2024/3/10</a:t>
             </a:fld>
@@ -463,7 +463,7 @@
           <p:cNvPr id="5" name="页脚占位符 4">
             <a:extLst>
               <a:ext uri="{FF2B5EF4-FFF2-40B4-BE49-F238E27FC236}">
-                <a16:creationId xmlns:a16="http://schemas.microsoft.com/office/drawing/2014/main" id="{63F0F775-22B6-A076-91F5-8F3833F5039C}"/>
+                <a16:creationId xmlns:a16="http://schemas.microsoft.com/office/drawing/2014/main" id="{F3C3AD90-407C-9E6F-3FB0-F744696D823D}"/>
               </a:ext>
             </a:extLst>
           </p:cNvPr>
@@ -488,7 +488,7 @@
           <p:cNvPr id="6" name="灯片编号占位符 5">
             <a:extLst>
               <a:ext uri="{FF2B5EF4-FFF2-40B4-BE49-F238E27FC236}">
-                <a16:creationId xmlns:a16="http://schemas.microsoft.com/office/drawing/2014/main" id="{9DCA74B1-A536-A209-218B-B1A6480F95BA}"/>
+                <a16:creationId xmlns:a16="http://schemas.microsoft.com/office/drawing/2014/main" id="{7F752F27-D478-DFF3-8A19-69CCC09016DC}"/>
               </a:ext>
             </a:extLst>
           </p:cNvPr>
@@ -504,7 +504,7 @@
           <a:bodyPr/>
           <a:lstStyle/>
           <a:p>
-            <a:fld id="{7C8289E6-07FE-4A44-AB1D-C312DABD2BA2}" type="slidenum">
+            <a:fld id="{F78EC71D-B022-48B8-8215-F6173BEECA35}" type="slidenum">
               <a:rPr lang="zh-CN" altLang="en-US" smtClean="0"/>
               <a:t>‹#›</a:t>
             </a:fld>
@@ -515,7 +515,7 @@
     </p:spTree>
     <p:extLst>
       <p:ext uri="{BB962C8B-B14F-4D97-AF65-F5344CB8AC3E}">
-        <p14:creationId xmlns:p14="http://schemas.microsoft.com/office/powerpoint/2010/main" val="3409491532"/>
+        <p14:creationId xmlns:p14="http://schemas.microsoft.com/office/powerpoint/2010/main" val="559159093"/>
       </p:ext>
     </p:extLst>
   </p:cSld>
@@ -547,7 +547,7 @@
           <p:cNvPr id="2" name="竖排标题 1">
             <a:extLst>
               <a:ext uri="{FF2B5EF4-FFF2-40B4-BE49-F238E27FC236}">
-                <a16:creationId xmlns:a16="http://schemas.microsoft.com/office/drawing/2014/main" id="{1C02858F-E521-9631-FB06-B524663BCB48}"/>
+                <a16:creationId xmlns:a16="http://schemas.microsoft.com/office/drawing/2014/main" id="{4A18DFF5-7493-7175-C7EA-C1711385D4FD}"/>
               </a:ext>
             </a:extLst>
           </p:cNvPr>
@@ -580,7 +580,7 @@
           <p:cNvPr id="3" name="竖排文字占位符 2">
             <a:extLst>
               <a:ext uri="{FF2B5EF4-FFF2-40B4-BE49-F238E27FC236}">
-                <a16:creationId xmlns:a16="http://schemas.microsoft.com/office/drawing/2014/main" id="{588CD1F5-A624-D093-DA68-4C3012DE81F8}"/>
+                <a16:creationId xmlns:a16="http://schemas.microsoft.com/office/drawing/2014/main" id="{F0DC7737-BDEE-57D2-6F73-17898F08683D}"/>
               </a:ext>
             </a:extLst>
           </p:cNvPr>
@@ -642,7 +642,7 @@
           <p:cNvPr id="4" name="日期占位符 3">
             <a:extLst>
               <a:ext uri="{FF2B5EF4-FFF2-40B4-BE49-F238E27FC236}">
-                <a16:creationId xmlns:a16="http://schemas.microsoft.com/office/drawing/2014/main" id="{A7427BE5-81B8-D1BF-C807-1EBC5907D2E1}"/>
+                <a16:creationId xmlns:a16="http://schemas.microsoft.com/office/drawing/2014/main" id="{466883E7-F9F5-52A3-92FE-1FA70A4B5F37}"/>
               </a:ext>
             </a:extLst>
           </p:cNvPr>
@@ -658,7 +658,7 @@
           <a:bodyPr/>
           <a:lstStyle/>
           <a:p>
-            <a:fld id="{B63EB4CA-BF52-42FC-B45E-F0704FC16AC2}" type="datetimeFigureOut">
+            <a:fld id="{1B3EB02E-5C69-4FBA-A6A7-1151CFFB1BCA}" type="datetimeFigureOut">
               <a:rPr lang="zh-CN" altLang="en-US" smtClean="0"/>
               <a:t>2024/3/10</a:t>
             </a:fld>
@@ -671,7 +671,7 @@
           <p:cNvPr id="5" name="页脚占位符 4">
             <a:extLst>
               <a:ext uri="{FF2B5EF4-FFF2-40B4-BE49-F238E27FC236}">
-                <a16:creationId xmlns:a16="http://schemas.microsoft.com/office/drawing/2014/main" id="{778AB9C8-49E2-4DB7-8269-47FAA8A304C6}"/>
+                <a16:creationId xmlns:a16="http://schemas.microsoft.com/office/drawing/2014/main" id="{1938C174-9F6F-B64B-9417-92BC5D5E2635}"/>
               </a:ext>
             </a:extLst>
           </p:cNvPr>
@@ -696,7 +696,7 @@
           <p:cNvPr id="6" name="灯片编号占位符 5">
             <a:extLst>
               <a:ext uri="{FF2B5EF4-FFF2-40B4-BE49-F238E27FC236}">
-                <a16:creationId xmlns:a16="http://schemas.microsoft.com/office/drawing/2014/main" id="{D729002C-9B60-3963-DAE7-1A001D39C33E}"/>
+                <a16:creationId xmlns:a16="http://schemas.microsoft.com/office/drawing/2014/main" id="{527F62C9-500B-8972-1CB8-617370DE7DCB}"/>
               </a:ext>
             </a:extLst>
           </p:cNvPr>
@@ -712,7 +712,7 @@
           <a:bodyPr/>
           <a:lstStyle/>
           <a:p>
-            <a:fld id="{7C8289E6-07FE-4A44-AB1D-C312DABD2BA2}" type="slidenum">
+            <a:fld id="{F78EC71D-B022-48B8-8215-F6173BEECA35}" type="slidenum">
               <a:rPr lang="zh-CN" altLang="en-US" smtClean="0"/>
               <a:t>‹#›</a:t>
             </a:fld>
@@ -723,7 +723,7 @@
     </p:spTree>
     <p:extLst>
       <p:ext uri="{BB962C8B-B14F-4D97-AF65-F5344CB8AC3E}">
-        <p14:creationId xmlns:p14="http://schemas.microsoft.com/office/powerpoint/2010/main" val="1921687478"/>
+        <p14:creationId xmlns:p14="http://schemas.microsoft.com/office/powerpoint/2010/main" val="2397910940"/>
       </p:ext>
     </p:extLst>
   </p:cSld>
@@ -755,7 +755,7 @@
           <p:cNvPr id="2" name="标题 1">
             <a:extLst>
               <a:ext uri="{FF2B5EF4-FFF2-40B4-BE49-F238E27FC236}">
-                <a16:creationId xmlns:a16="http://schemas.microsoft.com/office/drawing/2014/main" id="{F7069DC7-248C-C29D-9A2B-4D853F9DC9FF}"/>
+                <a16:creationId xmlns:a16="http://schemas.microsoft.com/office/drawing/2014/main" id="{B7966F39-E9AD-1C78-5CAB-BB7A4004E3CE}"/>
               </a:ext>
             </a:extLst>
           </p:cNvPr>
@@ -783,7 +783,7 @@
           <p:cNvPr id="3" name="内容占位符 2">
             <a:extLst>
               <a:ext uri="{FF2B5EF4-FFF2-40B4-BE49-F238E27FC236}">
-                <a16:creationId xmlns:a16="http://schemas.microsoft.com/office/drawing/2014/main" id="{8D00DFC2-D149-A65C-2081-AC9C77216A1B}"/>
+                <a16:creationId xmlns:a16="http://schemas.microsoft.com/office/drawing/2014/main" id="{5E7180C5-B077-B6EA-3CE8-B1FD0A490E4D}"/>
               </a:ext>
             </a:extLst>
           </p:cNvPr>
@@ -840,7 +840,7 @@
           <p:cNvPr id="4" name="日期占位符 3">
             <a:extLst>
               <a:ext uri="{FF2B5EF4-FFF2-40B4-BE49-F238E27FC236}">
-                <a16:creationId xmlns:a16="http://schemas.microsoft.com/office/drawing/2014/main" id="{1F4C640C-BE36-0EE3-5332-4EA94859F18F}"/>
+                <a16:creationId xmlns:a16="http://schemas.microsoft.com/office/drawing/2014/main" id="{64EC3EE3-EA5D-5595-98F8-E01EAD00C214}"/>
               </a:ext>
             </a:extLst>
           </p:cNvPr>
@@ -856,7 +856,7 @@
           <a:bodyPr/>
           <a:lstStyle/>
           <a:p>
-            <a:fld id="{B63EB4CA-BF52-42FC-B45E-F0704FC16AC2}" type="datetimeFigureOut">
+            <a:fld id="{1B3EB02E-5C69-4FBA-A6A7-1151CFFB1BCA}" type="datetimeFigureOut">
               <a:rPr lang="zh-CN" altLang="en-US" smtClean="0"/>
               <a:t>2024/3/10</a:t>
             </a:fld>
@@ -869,7 +869,7 @@
           <p:cNvPr id="5" name="页脚占位符 4">
             <a:extLst>
               <a:ext uri="{FF2B5EF4-FFF2-40B4-BE49-F238E27FC236}">
-                <a16:creationId xmlns:a16="http://schemas.microsoft.com/office/drawing/2014/main" id="{190A260D-CE94-4C06-78B6-BA633E6EDD38}"/>
+                <a16:creationId xmlns:a16="http://schemas.microsoft.com/office/drawing/2014/main" id="{76782A78-B76E-7AB7-AD45-E5C76826311A}"/>
               </a:ext>
             </a:extLst>
           </p:cNvPr>
@@ -894,7 +894,7 @@
           <p:cNvPr id="6" name="灯片编号占位符 5">
             <a:extLst>
               <a:ext uri="{FF2B5EF4-FFF2-40B4-BE49-F238E27FC236}">
-                <a16:creationId xmlns:a16="http://schemas.microsoft.com/office/drawing/2014/main" id="{B759F0D4-1AA3-EB97-A584-1C0FB68A66EF}"/>
+                <a16:creationId xmlns:a16="http://schemas.microsoft.com/office/drawing/2014/main" id="{E81B1412-86D6-383C-55E8-283B3C183833}"/>
               </a:ext>
             </a:extLst>
           </p:cNvPr>
@@ -910,7 +910,7 @@
           <a:bodyPr/>
           <a:lstStyle/>
           <a:p>
-            <a:fld id="{7C8289E6-07FE-4A44-AB1D-C312DABD2BA2}" type="slidenum">
+            <a:fld id="{F78EC71D-B022-48B8-8215-F6173BEECA35}" type="slidenum">
               <a:rPr lang="zh-CN" altLang="en-US" smtClean="0"/>
               <a:t>‹#›</a:t>
             </a:fld>
@@ -921,7 +921,7 @@
     </p:spTree>
     <p:extLst>
       <p:ext uri="{BB962C8B-B14F-4D97-AF65-F5344CB8AC3E}">
-        <p14:creationId xmlns:p14="http://schemas.microsoft.com/office/powerpoint/2010/main" val="2059354368"/>
+        <p14:creationId xmlns:p14="http://schemas.microsoft.com/office/powerpoint/2010/main" val="4171727415"/>
       </p:ext>
     </p:extLst>
   </p:cSld>
@@ -953,7 +953,7 @@
           <p:cNvPr id="2" name="标题 1">
             <a:extLst>
               <a:ext uri="{FF2B5EF4-FFF2-40B4-BE49-F238E27FC236}">
-                <a16:creationId xmlns:a16="http://schemas.microsoft.com/office/drawing/2014/main" id="{76DA932D-CC3C-5AA5-F9E3-04262686E513}"/>
+                <a16:creationId xmlns:a16="http://schemas.microsoft.com/office/drawing/2014/main" id="{A7136FC7-A067-42E7-2DBB-368A90A3435D}"/>
               </a:ext>
             </a:extLst>
           </p:cNvPr>
@@ -990,7 +990,7 @@
           <p:cNvPr id="3" name="文本占位符 2">
             <a:extLst>
               <a:ext uri="{FF2B5EF4-FFF2-40B4-BE49-F238E27FC236}">
-                <a16:creationId xmlns:a16="http://schemas.microsoft.com/office/drawing/2014/main" id="{8AAEBB58-B087-61AA-8747-7E6323E5A276}"/>
+                <a16:creationId xmlns:a16="http://schemas.microsoft.com/office/drawing/2014/main" id="{70723826-9995-2567-1B04-861272F11CC7}"/>
               </a:ext>
             </a:extLst>
           </p:cNvPr>
@@ -1115,7 +1115,7 @@
           <p:cNvPr id="4" name="日期占位符 3">
             <a:extLst>
               <a:ext uri="{FF2B5EF4-FFF2-40B4-BE49-F238E27FC236}">
-                <a16:creationId xmlns:a16="http://schemas.microsoft.com/office/drawing/2014/main" id="{EC52373A-27CA-DF55-FF78-D7390F90A21B}"/>
+                <a16:creationId xmlns:a16="http://schemas.microsoft.com/office/drawing/2014/main" id="{D9E8E8E2-3331-C9B4-F774-8D51972F0760}"/>
               </a:ext>
             </a:extLst>
           </p:cNvPr>
@@ -1131,7 +1131,7 @@
           <a:bodyPr/>
           <a:lstStyle/>
           <a:p>
-            <a:fld id="{B63EB4CA-BF52-42FC-B45E-F0704FC16AC2}" type="datetimeFigureOut">
+            <a:fld id="{1B3EB02E-5C69-4FBA-A6A7-1151CFFB1BCA}" type="datetimeFigureOut">
               <a:rPr lang="zh-CN" altLang="en-US" smtClean="0"/>
               <a:t>2024/3/10</a:t>
             </a:fld>
@@ -1144,7 +1144,7 @@
           <p:cNvPr id="5" name="页脚占位符 4">
             <a:extLst>
               <a:ext uri="{FF2B5EF4-FFF2-40B4-BE49-F238E27FC236}">
-                <a16:creationId xmlns:a16="http://schemas.microsoft.com/office/drawing/2014/main" id="{F526E617-07D2-0DD0-0751-5D4D42242DED}"/>
+                <a16:creationId xmlns:a16="http://schemas.microsoft.com/office/drawing/2014/main" id="{C4FAAEA8-48EE-0179-37B1-4A7050F3B1AE}"/>
               </a:ext>
             </a:extLst>
           </p:cNvPr>
@@ -1169,7 +1169,7 @@
           <p:cNvPr id="6" name="灯片编号占位符 5">
             <a:extLst>
               <a:ext uri="{FF2B5EF4-FFF2-40B4-BE49-F238E27FC236}">
-                <a16:creationId xmlns:a16="http://schemas.microsoft.com/office/drawing/2014/main" id="{57736D23-A7AF-380B-1E85-603AE7AC5B89}"/>
+                <a16:creationId xmlns:a16="http://schemas.microsoft.com/office/drawing/2014/main" id="{A0CE0D58-079D-5B3D-C824-5A2F012ED681}"/>
               </a:ext>
             </a:extLst>
           </p:cNvPr>
@@ -1185,7 +1185,7 @@
           <a:bodyPr/>
           <a:lstStyle/>
           <a:p>
-            <a:fld id="{7C8289E6-07FE-4A44-AB1D-C312DABD2BA2}" type="slidenum">
+            <a:fld id="{F78EC71D-B022-48B8-8215-F6173BEECA35}" type="slidenum">
               <a:rPr lang="zh-CN" altLang="en-US" smtClean="0"/>
               <a:t>‹#›</a:t>
             </a:fld>
@@ -1196,7 +1196,7 @@
     </p:spTree>
     <p:extLst>
       <p:ext uri="{BB962C8B-B14F-4D97-AF65-F5344CB8AC3E}">
-        <p14:creationId xmlns:p14="http://schemas.microsoft.com/office/powerpoint/2010/main" val="4195175046"/>
+        <p14:creationId xmlns:p14="http://schemas.microsoft.com/office/powerpoint/2010/main" val="202684366"/>
       </p:ext>
     </p:extLst>
   </p:cSld>
@@ -1228,7 +1228,7 @@
           <p:cNvPr id="2" name="标题 1">
             <a:extLst>
               <a:ext uri="{FF2B5EF4-FFF2-40B4-BE49-F238E27FC236}">
-                <a16:creationId xmlns:a16="http://schemas.microsoft.com/office/drawing/2014/main" id="{47B88A30-F83A-234E-274C-E0C24BE20A3C}"/>
+                <a16:creationId xmlns:a16="http://schemas.microsoft.com/office/drawing/2014/main" id="{5B6FF184-E033-A90C-D897-34A4F9A46ED7}"/>
               </a:ext>
             </a:extLst>
           </p:cNvPr>
@@ -1256,7 +1256,7 @@
           <p:cNvPr id="3" name="内容占位符 2">
             <a:extLst>
               <a:ext uri="{FF2B5EF4-FFF2-40B4-BE49-F238E27FC236}">
-                <a16:creationId xmlns:a16="http://schemas.microsoft.com/office/drawing/2014/main" id="{EDDD1A52-2302-6E34-ABCD-DA52D86109E6}"/>
+                <a16:creationId xmlns:a16="http://schemas.microsoft.com/office/drawing/2014/main" id="{E58443D6-19E9-5131-B9F9-B443A1D7A2B8}"/>
               </a:ext>
             </a:extLst>
           </p:cNvPr>
@@ -1318,7 +1318,7 @@
           <p:cNvPr id="4" name="内容占位符 3">
             <a:extLst>
               <a:ext uri="{FF2B5EF4-FFF2-40B4-BE49-F238E27FC236}">
-                <a16:creationId xmlns:a16="http://schemas.microsoft.com/office/drawing/2014/main" id="{7FFBF972-E888-D32C-1156-464107F10C8A}"/>
+                <a16:creationId xmlns:a16="http://schemas.microsoft.com/office/drawing/2014/main" id="{25AD0272-FA13-A270-9BE6-C5D5D9CD8457}"/>
               </a:ext>
             </a:extLst>
           </p:cNvPr>
@@ -1380,7 +1380,7 @@
           <p:cNvPr id="5" name="日期占位符 4">
             <a:extLst>
               <a:ext uri="{FF2B5EF4-FFF2-40B4-BE49-F238E27FC236}">
-                <a16:creationId xmlns:a16="http://schemas.microsoft.com/office/drawing/2014/main" id="{DA1F4582-7E2A-9230-512E-A366EBB2F708}"/>
+                <a16:creationId xmlns:a16="http://schemas.microsoft.com/office/drawing/2014/main" id="{9EF78EA0-73A9-B97A-1176-1F6FBFB49189}"/>
               </a:ext>
             </a:extLst>
           </p:cNvPr>
@@ -1396,7 +1396,7 @@
           <a:bodyPr/>
           <a:lstStyle/>
           <a:p>
-            <a:fld id="{B63EB4CA-BF52-42FC-B45E-F0704FC16AC2}" type="datetimeFigureOut">
+            <a:fld id="{1B3EB02E-5C69-4FBA-A6A7-1151CFFB1BCA}" type="datetimeFigureOut">
               <a:rPr lang="zh-CN" altLang="en-US" smtClean="0"/>
               <a:t>2024/3/10</a:t>
             </a:fld>
@@ -1409,7 +1409,7 @@
           <p:cNvPr id="6" name="页脚占位符 5">
             <a:extLst>
               <a:ext uri="{FF2B5EF4-FFF2-40B4-BE49-F238E27FC236}">
-                <a16:creationId xmlns:a16="http://schemas.microsoft.com/office/drawing/2014/main" id="{43246E75-1AC9-B0BB-9382-042ECED4AC5D}"/>
+                <a16:creationId xmlns:a16="http://schemas.microsoft.com/office/drawing/2014/main" id="{88C9FE77-BC1B-C477-4538-CFBFC570C2D0}"/>
               </a:ext>
             </a:extLst>
           </p:cNvPr>
@@ -1434,7 +1434,7 @@
           <p:cNvPr id="7" name="灯片编号占位符 6">
             <a:extLst>
               <a:ext uri="{FF2B5EF4-FFF2-40B4-BE49-F238E27FC236}">
-                <a16:creationId xmlns:a16="http://schemas.microsoft.com/office/drawing/2014/main" id="{1FE294AF-02BD-C681-0896-B508CA4B4BE7}"/>
+                <a16:creationId xmlns:a16="http://schemas.microsoft.com/office/drawing/2014/main" id="{FC3A4C76-1471-1393-1E63-EDB878A0E4B3}"/>
               </a:ext>
             </a:extLst>
           </p:cNvPr>
@@ -1450,7 +1450,7 @@
           <a:bodyPr/>
           <a:lstStyle/>
           <a:p>
-            <a:fld id="{7C8289E6-07FE-4A44-AB1D-C312DABD2BA2}" type="slidenum">
+            <a:fld id="{F78EC71D-B022-48B8-8215-F6173BEECA35}" type="slidenum">
               <a:rPr lang="zh-CN" altLang="en-US" smtClean="0"/>
               <a:t>‹#›</a:t>
             </a:fld>
@@ -1461,7 +1461,7 @@
     </p:spTree>
     <p:extLst>
       <p:ext uri="{BB962C8B-B14F-4D97-AF65-F5344CB8AC3E}">
-        <p14:creationId xmlns:p14="http://schemas.microsoft.com/office/powerpoint/2010/main" val="2085000051"/>
+        <p14:creationId xmlns:p14="http://schemas.microsoft.com/office/powerpoint/2010/main" val="1154211610"/>
       </p:ext>
     </p:extLst>
   </p:cSld>
@@ -1493,7 +1493,7 @@
           <p:cNvPr id="2" name="标题 1">
             <a:extLst>
               <a:ext uri="{FF2B5EF4-FFF2-40B4-BE49-F238E27FC236}">
-                <a16:creationId xmlns:a16="http://schemas.microsoft.com/office/drawing/2014/main" id="{D5FC0425-EF6A-38AD-BCF2-54A1609B7362}"/>
+                <a16:creationId xmlns:a16="http://schemas.microsoft.com/office/drawing/2014/main" id="{4223E9A5-A66D-86F6-025C-12831EA9DF2A}"/>
               </a:ext>
             </a:extLst>
           </p:cNvPr>
@@ -1526,7 +1526,7 @@
           <p:cNvPr id="3" name="文本占位符 2">
             <a:extLst>
               <a:ext uri="{FF2B5EF4-FFF2-40B4-BE49-F238E27FC236}">
-                <a16:creationId xmlns:a16="http://schemas.microsoft.com/office/drawing/2014/main" id="{A4CE27B6-B7A2-E12D-4836-21F83BD246C9}"/>
+                <a16:creationId xmlns:a16="http://schemas.microsoft.com/office/drawing/2014/main" id="{07BE8302-C86E-3123-E765-6B9A512DC57B}"/>
               </a:ext>
             </a:extLst>
           </p:cNvPr>
@@ -1597,7 +1597,7 @@
           <p:cNvPr id="4" name="内容占位符 3">
             <a:extLst>
               <a:ext uri="{FF2B5EF4-FFF2-40B4-BE49-F238E27FC236}">
-                <a16:creationId xmlns:a16="http://schemas.microsoft.com/office/drawing/2014/main" id="{D8BB80C4-108D-D5AF-D5BB-AB0737A3039D}"/>
+                <a16:creationId xmlns:a16="http://schemas.microsoft.com/office/drawing/2014/main" id="{EBF30133-6F48-484F-CC0C-0BEABEAE5095}"/>
               </a:ext>
             </a:extLst>
           </p:cNvPr>
@@ -1659,7 +1659,7 @@
           <p:cNvPr id="5" name="文本占位符 4">
             <a:extLst>
               <a:ext uri="{FF2B5EF4-FFF2-40B4-BE49-F238E27FC236}">
-                <a16:creationId xmlns:a16="http://schemas.microsoft.com/office/drawing/2014/main" id="{401A5038-64CB-E076-C3D4-D3B514E8EC73}"/>
+                <a16:creationId xmlns:a16="http://schemas.microsoft.com/office/drawing/2014/main" id="{9D770D24-39C9-32D0-30CA-F36C67540D1C}"/>
               </a:ext>
             </a:extLst>
           </p:cNvPr>
@@ -1730,7 +1730,7 @@
           <p:cNvPr id="6" name="内容占位符 5">
             <a:extLst>
               <a:ext uri="{FF2B5EF4-FFF2-40B4-BE49-F238E27FC236}">
-                <a16:creationId xmlns:a16="http://schemas.microsoft.com/office/drawing/2014/main" id="{2D6A6326-FFF8-02A9-584D-EF7DD92FCE19}"/>
+                <a16:creationId xmlns:a16="http://schemas.microsoft.com/office/drawing/2014/main" id="{9BCBB053-2CF3-C5AA-286A-93D32FBE93CA}"/>
               </a:ext>
             </a:extLst>
           </p:cNvPr>
@@ -1792,7 +1792,7 @@
           <p:cNvPr id="7" name="日期占位符 6">
             <a:extLst>
               <a:ext uri="{FF2B5EF4-FFF2-40B4-BE49-F238E27FC236}">
-                <a16:creationId xmlns:a16="http://schemas.microsoft.com/office/drawing/2014/main" id="{537EC8F6-357C-DDB8-84AC-44272DB15542}"/>
+                <a16:creationId xmlns:a16="http://schemas.microsoft.com/office/drawing/2014/main" id="{42444840-57C8-FEF6-143E-E1D45C5598BB}"/>
               </a:ext>
             </a:extLst>
           </p:cNvPr>
@@ -1808,7 +1808,7 @@
           <a:bodyPr/>
           <a:lstStyle/>
           <a:p>
-            <a:fld id="{B63EB4CA-BF52-42FC-B45E-F0704FC16AC2}" type="datetimeFigureOut">
+            <a:fld id="{1B3EB02E-5C69-4FBA-A6A7-1151CFFB1BCA}" type="datetimeFigureOut">
               <a:rPr lang="zh-CN" altLang="en-US" smtClean="0"/>
               <a:t>2024/3/10</a:t>
             </a:fld>
@@ -1821,7 +1821,7 @@
           <p:cNvPr id="8" name="页脚占位符 7">
             <a:extLst>
               <a:ext uri="{FF2B5EF4-FFF2-40B4-BE49-F238E27FC236}">
-                <a16:creationId xmlns:a16="http://schemas.microsoft.com/office/drawing/2014/main" id="{47BE9BA8-10EA-8ACD-62AA-4C3B3934936A}"/>
+                <a16:creationId xmlns:a16="http://schemas.microsoft.com/office/drawing/2014/main" id="{6F6DBEE3-7B23-9A1B-6B60-5D8B83CB945D}"/>
               </a:ext>
             </a:extLst>
           </p:cNvPr>
@@ -1846,7 +1846,7 @@
           <p:cNvPr id="9" name="灯片编号占位符 8">
             <a:extLst>
               <a:ext uri="{FF2B5EF4-FFF2-40B4-BE49-F238E27FC236}">
-                <a16:creationId xmlns:a16="http://schemas.microsoft.com/office/drawing/2014/main" id="{9F0F6B7A-81F4-062F-B297-F295F9261997}"/>
+                <a16:creationId xmlns:a16="http://schemas.microsoft.com/office/drawing/2014/main" id="{A79AD18A-D7D1-303D-31F6-E9228EFD4BCF}"/>
               </a:ext>
             </a:extLst>
           </p:cNvPr>
@@ -1862,7 +1862,7 @@
           <a:bodyPr/>
           <a:lstStyle/>
           <a:p>
-            <a:fld id="{7C8289E6-07FE-4A44-AB1D-C312DABD2BA2}" type="slidenum">
+            <a:fld id="{F78EC71D-B022-48B8-8215-F6173BEECA35}" type="slidenum">
               <a:rPr lang="zh-CN" altLang="en-US" smtClean="0"/>
               <a:t>‹#›</a:t>
             </a:fld>
@@ -1873,7 +1873,7 @@
     </p:spTree>
     <p:extLst>
       <p:ext uri="{BB962C8B-B14F-4D97-AF65-F5344CB8AC3E}">
-        <p14:creationId xmlns:p14="http://schemas.microsoft.com/office/powerpoint/2010/main" val="1644991913"/>
+        <p14:creationId xmlns:p14="http://schemas.microsoft.com/office/powerpoint/2010/main" val="1149899756"/>
       </p:ext>
     </p:extLst>
   </p:cSld>
@@ -1905,7 +1905,7 @@
           <p:cNvPr id="2" name="标题 1">
             <a:extLst>
               <a:ext uri="{FF2B5EF4-FFF2-40B4-BE49-F238E27FC236}">
-                <a16:creationId xmlns:a16="http://schemas.microsoft.com/office/drawing/2014/main" id="{0480ACA5-509E-D025-76F2-FB0CC3A77B38}"/>
+                <a16:creationId xmlns:a16="http://schemas.microsoft.com/office/drawing/2014/main" id="{E451A951-2D3E-9A48-18C9-50A4D4F0F6E6}"/>
               </a:ext>
             </a:extLst>
           </p:cNvPr>
@@ -1933,7 +1933,7 @@
           <p:cNvPr id="3" name="日期占位符 2">
             <a:extLst>
               <a:ext uri="{FF2B5EF4-FFF2-40B4-BE49-F238E27FC236}">
-                <a16:creationId xmlns:a16="http://schemas.microsoft.com/office/drawing/2014/main" id="{93FF73DA-4783-1275-9E3C-6327E24AB85C}"/>
+                <a16:creationId xmlns:a16="http://schemas.microsoft.com/office/drawing/2014/main" id="{3E472453-1FC0-5BB4-B513-9CB63589391E}"/>
               </a:ext>
             </a:extLst>
           </p:cNvPr>
@@ -1949,7 +1949,7 @@
           <a:bodyPr/>
           <a:lstStyle/>
           <a:p>
-            <a:fld id="{B63EB4CA-BF52-42FC-B45E-F0704FC16AC2}" type="datetimeFigureOut">
+            <a:fld id="{1B3EB02E-5C69-4FBA-A6A7-1151CFFB1BCA}" type="datetimeFigureOut">
               <a:rPr lang="zh-CN" altLang="en-US" smtClean="0"/>
               <a:t>2024/3/10</a:t>
             </a:fld>
@@ -1962,7 +1962,7 @@
           <p:cNvPr id="4" name="页脚占位符 3">
             <a:extLst>
               <a:ext uri="{FF2B5EF4-FFF2-40B4-BE49-F238E27FC236}">
-                <a16:creationId xmlns:a16="http://schemas.microsoft.com/office/drawing/2014/main" id="{F3C2E428-0C0B-F330-4DB7-91647A0442D7}"/>
+                <a16:creationId xmlns:a16="http://schemas.microsoft.com/office/drawing/2014/main" id="{33A3EB4F-AE98-0E49-5DBA-A78C5E84D837}"/>
               </a:ext>
             </a:extLst>
           </p:cNvPr>
@@ -1987,7 +1987,7 @@
           <p:cNvPr id="5" name="灯片编号占位符 4">
             <a:extLst>
               <a:ext uri="{FF2B5EF4-FFF2-40B4-BE49-F238E27FC236}">
-                <a16:creationId xmlns:a16="http://schemas.microsoft.com/office/drawing/2014/main" id="{D013B64B-70E2-4AAD-9753-1BE2360E85CB}"/>
+                <a16:creationId xmlns:a16="http://schemas.microsoft.com/office/drawing/2014/main" id="{7E870AF0-CDB7-BA6D-281C-1DB6B6B2753F}"/>
               </a:ext>
             </a:extLst>
           </p:cNvPr>
@@ -2003,7 +2003,7 @@
           <a:bodyPr/>
           <a:lstStyle/>
           <a:p>
-            <a:fld id="{7C8289E6-07FE-4A44-AB1D-C312DABD2BA2}" type="slidenum">
+            <a:fld id="{F78EC71D-B022-48B8-8215-F6173BEECA35}" type="slidenum">
               <a:rPr lang="zh-CN" altLang="en-US" smtClean="0"/>
               <a:t>‹#›</a:t>
             </a:fld>
@@ -2014,7 +2014,7 @@
     </p:spTree>
     <p:extLst>
       <p:ext uri="{BB962C8B-B14F-4D97-AF65-F5344CB8AC3E}">
-        <p14:creationId xmlns:p14="http://schemas.microsoft.com/office/powerpoint/2010/main" val="2443285470"/>
+        <p14:creationId xmlns:p14="http://schemas.microsoft.com/office/powerpoint/2010/main" val="2659255674"/>
       </p:ext>
     </p:extLst>
   </p:cSld>
@@ -2046,7 +2046,7 @@
           <p:cNvPr id="2" name="日期占位符 1">
             <a:extLst>
               <a:ext uri="{FF2B5EF4-FFF2-40B4-BE49-F238E27FC236}">
-                <a16:creationId xmlns:a16="http://schemas.microsoft.com/office/drawing/2014/main" id="{61EF3645-47A2-3646-608D-7CB1B59CB036}"/>
+                <a16:creationId xmlns:a16="http://schemas.microsoft.com/office/drawing/2014/main" id="{30493BA5-582B-B93C-2391-49EFB810F4DA}"/>
               </a:ext>
             </a:extLst>
           </p:cNvPr>
@@ -2062,7 +2062,7 @@
           <a:bodyPr/>
           <a:lstStyle/>
           <a:p>
-            <a:fld id="{B63EB4CA-BF52-42FC-B45E-F0704FC16AC2}" type="datetimeFigureOut">
+            <a:fld id="{1B3EB02E-5C69-4FBA-A6A7-1151CFFB1BCA}" type="datetimeFigureOut">
               <a:rPr lang="zh-CN" altLang="en-US" smtClean="0"/>
               <a:t>2024/3/10</a:t>
             </a:fld>
@@ -2075,7 +2075,7 @@
           <p:cNvPr id="3" name="页脚占位符 2">
             <a:extLst>
               <a:ext uri="{FF2B5EF4-FFF2-40B4-BE49-F238E27FC236}">
-                <a16:creationId xmlns:a16="http://schemas.microsoft.com/office/drawing/2014/main" id="{2BAAC329-B7F8-DC1F-2A7F-1BA4747F2521}"/>
+                <a16:creationId xmlns:a16="http://schemas.microsoft.com/office/drawing/2014/main" id="{E40751AE-AB15-6011-AC35-BCB0FC772C2E}"/>
               </a:ext>
             </a:extLst>
           </p:cNvPr>
@@ -2100,7 +2100,7 @@
           <p:cNvPr id="4" name="灯片编号占位符 3">
             <a:extLst>
               <a:ext uri="{FF2B5EF4-FFF2-40B4-BE49-F238E27FC236}">
-                <a16:creationId xmlns:a16="http://schemas.microsoft.com/office/drawing/2014/main" id="{026FA58A-253A-6859-C256-D962D0251224}"/>
+                <a16:creationId xmlns:a16="http://schemas.microsoft.com/office/drawing/2014/main" id="{545A3BC0-8C5B-1E81-43B4-EC363AA49D15}"/>
               </a:ext>
             </a:extLst>
           </p:cNvPr>
@@ -2116,7 +2116,7 @@
           <a:bodyPr/>
           <a:lstStyle/>
           <a:p>
-            <a:fld id="{7C8289E6-07FE-4A44-AB1D-C312DABD2BA2}" type="slidenum">
+            <a:fld id="{F78EC71D-B022-48B8-8215-F6173BEECA35}" type="slidenum">
               <a:rPr lang="zh-CN" altLang="en-US" smtClean="0"/>
               <a:t>‹#›</a:t>
             </a:fld>
@@ -2127,7 +2127,7 @@
     </p:spTree>
     <p:extLst>
       <p:ext uri="{BB962C8B-B14F-4D97-AF65-F5344CB8AC3E}">
-        <p14:creationId xmlns:p14="http://schemas.microsoft.com/office/powerpoint/2010/main" val="3181587936"/>
+        <p14:creationId xmlns:p14="http://schemas.microsoft.com/office/powerpoint/2010/main" val="1435860674"/>
       </p:ext>
     </p:extLst>
   </p:cSld>
@@ -2159,7 +2159,7 @@
           <p:cNvPr id="2" name="标题 1">
             <a:extLst>
               <a:ext uri="{FF2B5EF4-FFF2-40B4-BE49-F238E27FC236}">
-                <a16:creationId xmlns:a16="http://schemas.microsoft.com/office/drawing/2014/main" id="{3233941D-CDA0-6AEA-EB08-25EBF96D62CD}"/>
+                <a16:creationId xmlns:a16="http://schemas.microsoft.com/office/drawing/2014/main" id="{AA7E2C21-1E08-1354-D676-FF8BD0510BD8}"/>
               </a:ext>
             </a:extLst>
           </p:cNvPr>
@@ -2196,7 +2196,7 @@
           <p:cNvPr id="3" name="内容占位符 2">
             <a:extLst>
               <a:ext uri="{FF2B5EF4-FFF2-40B4-BE49-F238E27FC236}">
-                <a16:creationId xmlns:a16="http://schemas.microsoft.com/office/drawing/2014/main" id="{F50FE49D-D1E5-A0FC-FC0D-B4BAAE93469D}"/>
+                <a16:creationId xmlns:a16="http://schemas.microsoft.com/office/drawing/2014/main" id="{D8CF032C-84A5-CDDD-E39A-84BA16DB7B7C}"/>
               </a:ext>
             </a:extLst>
           </p:cNvPr>
@@ -2286,7 +2286,7 @@
           <p:cNvPr id="4" name="文本占位符 3">
             <a:extLst>
               <a:ext uri="{FF2B5EF4-FFF2-40B4-BE49-F238E27FC236}">
-                <a16:creationId xmlns:a16="http://schemas.microsoft.com/office/drawing/2014/main" id="{01322876-2D3A-014D-0293-DA2F83FE4C3E}"/>
+                <a16:creationId xmlns:a16="http://schemas.microsoft.com/office/drawing/2014/main" id="{2F105D43-CF29-9262-CDDA-B44C11E41EC0}"/>
               </a:ext>
             </a:extLst>
           </p:cNvPr>
@@ -2357,7 +2357,7 @@
           <p:cNvPr id="5" name="日期占位符 4">
             <a:extLst>
               <a:ext uri="{FF2B5EF4-FFF2-40B4-BE49-F238E27FC236}">
-                <a16:creationId xmlns:a16="http://schemas.microsoft.com/office/drawing/2014/main" id="{F5AC8906-F271-C256-A6EF-9E67C9EB537E}"/>
+                <a16:creationId xmlns:a16="http://schemas.microsoft.com/office/drawing/2014/main" id="{2BA0003F-BC26-34C8-F61D-B541381B86E7}"/>
               </a:ext>
             </a:extLst>
           </p:cNvPr>
@@ -2373,7 +2373,7 @@
           <a:bodyPr/>
           <a:lstStyle/>
           <a:p>
-            <a:fld id="{B63EB4CA-BF52-42FC-B45E-F0704FC16AC2}" type="datetimeFigureOut">
+            <a:fld id="{1B3EB02E-5C69-4FBA-A6A7-1151CFFB1BCA}" type="datetimeFigureOut">
               <a:rPr lang="zh-CN" altLang="en-US" smtClean="0"/>
               <a:t>2024/3/10</a:t>
             </a:fld>
@@ -2386,7 +2386,7 @@
           <p:cNvPr id="6" name="页脚占位符 5">
             <a:extLst>
               <a:ext uri="{FF2B5EF4-FFF2-40B4-BE49-F238E27FC236}">
-                <a16:creationId xmlns:a16="http://schemas.microsoft.com/office/drawing/2014/main" id="{EA29CF18-7D78-EF21-C243-ED2237C41CD4}"/>
+                <a16:creationId xmlns:a16="http://schemas.microsoft.com/office/drawing/2014/main" id="{99D156B3-C929-3E3F-E324-E3C8D6629DE1}"/>
               </a:ext>
             </a:extLst>
           </p:cNvPr>
@@ -2411,7 +2411,7 @@
           <p:cNvPr id="7" name="灯片编号占位符 6">
             <a:extLst>
               <a:ext uri="{FF2B5EF4-FFF2-40B4-BE49-F238E27FC236}">
-                <a16:creationId xmlns:a16="http://schemas.microsoft.com/office/drawing/2014/main" id="{4EFE67DF-F665-5DB1-D644-E6C852D5DEE6}"/>
+                <a16:creationId xmlns:a16="http://schemas.microsoft.com/office/drawing/2014/main" id="{D08CFA29-1AD1-3122-B3F7-3FB984FF15DF}"/>
               </a:ext>
             </a:extLst>
           </p:cNvPr>
@@ -2427,7 +2427,7 @@
           <a:bodyPr/>
           <a:lstStyle/>
           <a:p>
-            <a:fld id="{7C8289E6-07FE-4A44-AB1D-C312DABD2BA2}" type="slidenum">
+            <a:fld id="{F78EC71D-B022-48B8-8215-F6173BEECA35}" type="slidenum">
               <a:rPr lang="zh-CN" altLang="en-US" smtClean="0"/>
               <a:t>‹#›</a:t>
             </a:fld>
@@ -2438,7 +2438,7 @@
     </p:spTree>
     <p:extLst>
       <p:ext uri="{BB962C8B-B14F-4D97-AF65-F5344CB8AC3E}">
-        <p14:creationId xmlns:p14="http://schemas.microsoft.com/office/powerpoint/2010/main" val="2590651005"/>
+        <p14:creationId xmlns:p14="http://schemas.microsoft.com/office/powerpoint/2010/main" val="2224642770"/>
       </p:ext>
     </p:extLst>
   </p:cSld>
@@ -2470,7 +2470,7 @@
           <p:cNvPr id="2" name="标题 1">
             <a:extLst>
               <a:ext uri="{FF2B5EF4-FFF2-40B4-BE49-F238E27FC236}">
-                <a16:creationId xmlns:a16="http://schemas.microsoft.com/office/drawing/2014/main" id="{CAD6AC5A-3770-2FBE-32D7-291420D8BA7E}"/>
+                <a16:creationId xmlns:a16="http://schemas.microsoft.com/office/drawing/2014/main" id="{8A07C7A7-9B8A-27C1-2895-A625D7657474}"/>
               </a:ext>
             </a:extLst>
           </p:cNvPr>
@@ -2507,7 +2507,7 @@
           <p:cNvPr id="3" name="图片占位符 2">
             <a:extLst>
               <a:ext uri="{FF2B5EF4-FFF2-40B4-BE49-F238E27FC236}">
-                <a16:creationId xmlns:a16="http://schemas.microsoft.com/office/drawing/2014/main" id="{81AE294D-F264-8F10-EA50-EBCB08A542C4}"/>
+                <a16:creationId xmlns:a16="http://schemas.microsoft.com/office/drawing/2014/main" id="{BD2E457B-2B89-13CC-77AB-B615C83FA369}"/>
               </a:ext>
             </a:extLst>
           </p:cNvPr>
@@ -2574,7 +2574,7 @@
           <p:cNvPr id="4" name="文本占位符 3">
             <a:extLst>
               <a:ext uri="{FF2B5EF4-FFF2-40B4-BE49-F238E27FC236}">
-                <a16:creationId xmlns:a16="http://schemas.microsoft.com/office/drawing/2014/main" id="{55EB0729-BE92-3F8A-8697-5D667FBCA17E}"/>
+                <a16:creationId xmlns:a16="http://schemas.microsoft.com/office/drawing/2014/main" id="{BF8C10BD-D12F-31C9-C9F5-74482E139B2D}"/>
               </a:ext>
             </a:extLst>
           </p:cNvPr>
@@ -2645,7 +2645,7 @@
           <p:cNvPr id="5" name="日期占位符 4">
             <a:extLst>
               <a:ext uri="{FF2B5EF4-FFF2-40B4-BE49-F238E27FC236}">
-                <a16:creationId xmlns:a16="http://schemas.microsoft.com/office/drawing/2014/main" id="{FA91B4FE-E280-0C02-1E41-DF948A0B85F0}"/>
+                <a16:creationId xmlns:a16="http://schemas.microsoft.com/office/drawing/2014/main" id="{C944BDEF-C2B9-F431-B0B8-71B927541454}"/>
               </a:ext>
             </a:extLst>
           </p:cNvPr>
@@ -2661,7 +2661,7 @@
           <a:bodyPr/>
           <a:lstStyle/>
           <a:p>
-            <a:fld id="{B63EB4CA-BF52-42FC-B45E-F0704FC16AC2}" type="datetimeFigureOut">
+            <a:fld id="{1B3EB02E-5C69-4FBA-A6A7-1151CFFB1BCA}" type="datetimeFigureOut">
               <a:rPr lang="zh-CN" altLang="en-US" smtClean="0"/>
               <a:t>2024/3/10</a:t>
             </a:fld>
@@ -2674,7 +2674,7 @@
           <p:cNvPr id="6" name="页脚占位符 5">
             <a:extLst>
               <a:ext uri="{FF2B5EF4-FFF2-40B4-BE49-F238E27FC236}">
-                <a16:creationId xmlns:a16="http://schemas.microsoft.com/office/drawing/2014/main" id="{9D0809A4-387C-2C84-AC2D-14F9449A0927}"/>
+                <a16:creationId xmlns:a16="http://schemas.microsoft.com/office/drawing/2014/main" id="{D69A7F84-24B4-22F4-AA7A-D1DA8848508A}"/>
               </a:ext>
             </a:extLst>
           </p:cNvPr>
@@ -2699,7 +2699,7 @@
           <p:cNvPr id="7" name="灯片编号占位符 6">
             <a:extLst>
               <a:ext uri="{FF2B5EF4-FFF2-40B4-BE49-F238E27FC236}">
-                <a16:creationId xmlns:a16="http://schemas.microsoft.com/office/drawing/2014/main" id="{788BE139-DBE8-4D30-4E2A-C2E187979560}"/>
+                <a16:creationId xmlns:a16="http://schemas.microsoft.com/office/drawing/2014/main" id="{CF0821F1-6893-F365-EBB2-3770F2B01043}"/>
               </a:ext>
             </a:extLst>
           </p:cNvPr>
@@ -2715,7 +2715,7 @@
           <a:bodyPr/>
           <a:lstStyle/>
           <a:p>
-            <a:fld id="{7C8289E6-07FE-4A44-AB1D-C312DABD2BA2}" type="slidenum">
+            <a:fld id="{F78EC71D-B022-48B8-8215-F6173BEECA35}" type="slidenum">
               <a:rPr lang="zh-CN" altLang="en-US" smtClean="0"/>
               <a:t>‹#›</a:t>
             </a:fld>
@@ -2726,7 +2726,7 @@
     </p:spTree>
     <p:extLst>
       <p:ext uri="{BB962C8B-B14F-4D97-AF65-F5344CB8AC3E}">
-        <p14:creationId xmlns:p14="http://schemas.microsoft.com/office/powerpoint/2010/main" val="3009327598"/>
+        <p14:creationId xmlns:p14="http://schemas.microsoft.com/office/powerpoint/2010/main" val="1431579550"/>
       </p:ext>
     </p:extLst>
   </p:cSld>
@@ -2763,7 +2763,7 @@
           <p:cNvPr id="2" name="标题占位符 1">
             <a:extLst>
               <a:ext uri="{FF2B5EF4-FFF2-40B4-BE49-F238E27FC236}">
-                <a16:creationId xmlns:a16="http://schemas.microsoft.com/office/drawing/2014/main" id="{BC3DB79D-BD2D-E99C-5F4A-4D72AD11F4CE}"/>
+                <a16:creationId xmlns:a16="http://schemas.microsoft.com/office/drawing/2014/main" id="{66511B1C-59CC-65B0-84AA-1EB0C1FE2C68}"/>
               </a:ext>
             </a:extLst>
           </p:cNvPr>
@@ -2801,7 +2801,7 @@
           <p:cNvPr id="3" name="文本占位符 2">
             <a:extLst>
               <a:ext uri="{FF2B5EF4-FFF2-40B4-BE49-F238E27FC236}">
-                <a16:creationId xmlns:a16="http://schemas.microsoft.com/office/drawing/2014/main" id="{B9DEF56D-01A5-F3A8-699D-6FC573DF0AF2}"/>
+                <a16:creationId xmlns:a16="http://schemas.microsoft.com/office/drawing/2014/main" id="{2D831546-3B11-2C0B-128B-DC6188579713}"/>
               </a:ext>
             </a:extLst>
           </p:cNvPr>
@@ -2868,7 +2868,7 @@
           <p:cNvPr id="4" name="日期占位符 3">
             <a:extLst>
               <a:ext uri="{FF2B5EF4-FFF2-40B4-BE49-F238E27FC236}">
-                <a16:creationId xmlns:a16="http://schemas.microsoft.com/office/drawing/2014/main" id="{B3EFEABA-1524-2155-95C3-D0CA5DF711D9}"/>
+                <a16:creationId xmlns:a16="http://schemas.microsoft.com/office/drawing/2014/main" id="{EA30F99B-CBE3-AE51-A18E-225CEBFE8DB2}"/>
               </a:ext>
             </a:extLst>
           </p:cNvPr>
@@ -2902,7 +2902,7 @@
             </a:lvl1pPr>
           </a:lstStyle>
           <a:p>
-            <a:fld id="{B63EB4CA-BF52-42FC-B45E-F0704FC16AC2}" type="datetimeFigureOut">
+            <a:fld id="{1B3EB02E-5C69-4FBA-A6A7-1151CFFB1BCA}" type="datetimeFigureOut">
               <a:rPr lang="zh-CN" altLang="en-US" smtClean="0"/>
               <a:t>2024/3/10</a:t>
             </a:fld>
@@ -2915,7 +2915,7 @@
           <p:cNvPr id="5" name="页脚占位符 4">
             <a:extLst>
               <a:ext uri="{FF2B5EF4-FFF2-40B4-BE49-F238E27FC236}">
-                <a16:creationId xmlns:a16="http://schemas.microsoft.com/office/drawing/2014/main" id="{86CCDBAD-1CDB-BFBE-F03B-0ED7BE6FD9D7}"/>
+                <a16:creationId xmlns:a16="http://schemas.microsoft.com/office/drawing/2014/main" id="{9448E670-0C4E-8250-F93A-C933F675543A}"/>
               </a:ext>
             </a:extLst>
           </p:cNvPr>
@@ -2958,7 +2958,7 @@
           <p:cNvPr id="6" name="灯片编号占位符 5">
             <a:extLst>
               <a:ext uri="{FF2B5EF4-FFF2-40B4-BE49-F238E27FC236}">
-                <a16:creationId xmlns:a16="http://schemas.microsoft.com/office/drawing/2014/main" id="{8112DDAF-39A7-6D5F-EC84-3A1D20B52836}"/>
+                <a16:creationId xmlns:a16="http://schemas.microsoft.com/office/drawing/2014/main" id="{0D785225-3F8E-208B-DBB4-7DAB48DA98A2}"/>
               </a:ext>
             </a:extLst>
           </p:cNvPr>
@@ -2992,7 +2992,7 @@
             </a:lvl1pPr>
           </a:lstStyle>
           <a:p>
-            <a:fld id="{7C8289E6-07FE-4A44-AB1D-C312DABD2BA2}" type="slidenum">
+            <a:fld id="{F78EC71D-B022-48B8-8215-F6173BEECA35}" type="slidenum">
               <a:rPr lang="zh-CN" altLang="en-US" smtClean="0"/>
               <a:t>‹#›</a:t>
             </a:fld>
@@ -3003,7 +3003,7 @@
     </p:spTree>
     <p:extLst>
       <p:ext uri="{BB962C8B-B14F-4D97-AF65-F5344CB8AC3E}">
-        <p14:creationId xmlns:p14="http://schemas.microsoft.com/office/powerpoint/2010/main" val="3138055882"/>
+        <p14:creationId xmlns:p14="http://schemas.microsoft.com/office/powerpoint/2010/main" val="1004740113"/>
       </p:ext>
     </p:extLst>
   </p:cSld>
@@ -3323,7 +3323,7 @@
       </p:grpSpPr>
       <p:pic>
         <p:nvPicPr>
-          <p:cNvPr id="787458" name="Picture 2" descr="768"/>
+          <p:cNvPr id="788482" name="Picture 2" descr="769"/>
           <p:cNvPicPr>
             <a:picLocks noChangeAspect="1" noChangeArrowheads="1"/>
           </p:cNvPicPr>
